--- a/210219_React_2.pptx
+++ b/210219_React_2.pptx
@@ -9610,7 +9610,7 @@
                 <a:latin typeface="빙그레 메로나체" panose="020B0503000000000000" pitchFamily="50" charset="-127"/>
                 <a:ea typeface="빙그레 메로나체" panose="020B0503000000000000" pitchFamily="50" charset="-127"/>
               </a:rPr>
-              <a:t>2021 02 19 Qualcomm Institute </a:t>
+              <a:t>2021 02 21 Qualcomm Institute </a:t>
             </a:r>
           </a:p>
         </p:txBody>
@@ -32692,16 +32692,15 @@
           </p:cNvPicPr>
           <p:nvPr/>
         </p:nvPicPr>
-        <p:blipFill>
+        <p:blipFill rotWithShape="1">
           <a:blip r:embed="rId3"/>
-          <a:stretch>
-            <a:fillRect/>
-          </a:stretch>
+          <a:srcRect t="20709"/>
+          <a:stretch/>
         </p:blipFill>
         <p:spPr>
           <a:xfrm>
-            <a:off x="981664" y="1623131"/>
-            <a:ext cx="7891872" cy="2112547"/>
+            <a:off x="981664" y="1867435"/>
+            <a:ext cx="7891872" cy="1675058"/>
           </a:xfrm>
           <a:prstGeom prst="rect">
             <a:avLst/>
@@ -32730,7 +32729,7 @@
         </p:blipFill>
         <p:spPr>
           <a:xfrm>
-            <a:off x="1004426" y="3951578"/>
+            <a:off x="1004426" y="3771272"/>
             <a:ext cx="3223313" cy="1522121"/>
           </a:xfrm>
           <a:prstGeom prst="rect">
@@ -32752,7 +32751,7 @@
         </p:nvSpPr>
         <p:spPr>
           <a:xfrm>
-            <a:off x="4412072" y="4027778"/>
+            <a:off x="4412072" y="3847472"/>
             <a:ext cx="6484528" cy="1323439"/>
           </a:xfrm>
           <a:prstGeom prst="rect">

--- a/210219_React_2.pptx
+++ b/210219_React_2.pptx
@@ -251,7 +251,7 @@
                 <a:latin typeface="빙그레 메로나체" panose="020B0503000000000000" pitchFamily="50" charset="-127"/>
                 <a:ea typeface="빙그레 메로나체" panose="020B0503000000000000" pitchFamily="50" charset="-127"/>
               </a:rPr>
-              <a:t>21-02-20(Sat)</a:t>
+              <a:t>21-02-21(Sun)</a:t>
             </a:fld>
             <a:endParaRPr lang="ko-KR" altLang="en-US">
               <a:latin typeface="빙그레 메로나체" panose="020B0503000000000000" pitchFamily="50" charset="-127"/>
@@ -448,7 +448,7 @@
             <a:fld id="{4603488D-D3EA-41C9-A985-B1D359B38FE8}" type="datetimeFigureOut">
               <a:rPr lang="ko-KR" altLang="en-US" smtClean="0"/>
               <a:pPr/>
-              <a:t>21-02-20(Sat)</a:t>
+              <a:t>21-02-21(Sun)</a:t>
             </a:fld>
             <a:endParaRPr lang="ko-KR" altLang="en-US"/>
           </a:p>
@@ -6350,7 +6350,7 @@
           <a:p>
             <a:fld id="{7DC6197A-B81F-4CAF-8F9E-3C147E2873D6}" type="datetime1">
               <a:rPr lang="ko-KR" altLang="en-US" smtClean="0"/>
-              <a:t>21-02-20(Sat)</a:t>
+              <a:t>21-02-21(Sun)</a:t>
             </a:fld>
             <a:endParaRPr lang="ko-KR" altLang="en-US"/>
           </a:p>
@@ -6569,7 +6569,7 @@
           <a:p>
             <a:fld id="{2E9FEE90-94DC-4A70-8DB6-77140FDC4928}" type="datetime1">
               <a:rPr lang="ko-KR" altLang="en-US" smtClean="0"/>
-              <a:t>21-02-20(Sat)</a:t>
+              <a:t>21-02-21(Sun)</a:t>
             </a:fld>
             <a:endParaRPr lang="ko-KR" altLang="en-US"/>
           </a:p>
@@ -6777,7 +6777,7 @@
           <a:p>
             <a:fld id="{35B46D19-C2B4-4F76-8EC4-654FF4D1B867}" type="datetime1">
               <a:rPr lang="ko-KR" altLang="en-US" smtClean="0"/>
-              <a:t>21-02-20(Sat)</a:t>
+              <a:t>21-02-21(Sun)</a:t>
             </a:fld>
             <a:endParaRPr lang="ko-KR" altLang="en-US"/>
           </a:p>
@@ -6975,7 +6975,7 @@
           <a:p>
             <a:fld id="{C373018D-A7B2-4FBD-B6A9-55243D35BED3}" type="datetime1">
               <a:rPr lang="ko-KR" altLang="en-US" smtClean="0"/>
-              <a:t>21-02-20(Sat)</a:t>
+              <a:t>21-02-21(Sun)</a:t>
             </a:fld>
             <a:endParaRPr lang="ko-KR" altLang="en-US"/>
           </a:p>
@@ -7250,7 +7250,7 @@
           <a:p>
             <a:fld id="{4435D3D0-A066-4F71-AFF5-8B496FFE7BCA}" type="datetime1">
               <a:rPr lang="ko-KR" altLang="en-US" smtClean="0"/>
-              <a:t>21-02-20(Sat)</a:t>
+              <a:t>21-02-21(Sun)</a:t>
             </a:fld>
             <a:endParaRPr lang="ko-KR" altLang="en-US"/>
           </a:p>
@@ -7515,7 +7515,7 @@
           <a:p>
             <a:fld id="{365C1C25-AAFE-4B7A-972A-986C48C551DC}" type="datetime1">
               <a:rPr lang="ko-KR" altLang="en-US" smtClean="0"/>
-              <a:t>21-02-20(Sat)</a:t>
+              <a:t>21-02-21(Sun)</a:t>
             </a:fld>
             <a:endParaRPr lang="ko-KR" altLang="en-US"/>
           </a:p>
@@ -7927,7 +7927,7 @@
           <a:p>
             <a:fld id="{81CD69AD-8091-45FF-A7FD-D5E8A83B14A6}" type="datetime1">
               <a:rPr lang="ko-KR" altLang="en-US" smtClean="0"/>
-              <a:t>21-02-20(Sat)</a:t>
+              <a:t>21-02-21(Sun)</a:t>
             </a:fld>
             <a:endParaRPr lang="ko-KR" altLang="en-US"/>
           </a:p>
@@ -8068,7 +8068,7 @@
           <a:p>
             <a:fld id="{16E1BF7E-2A53-4D85-AD06-DBD10CF13045}" type="datetime1">
               <a:rPr lang="ko-KR" altLang="en-US" smtClean="0"/>
-              <a:t>21-02-20(Sat)</a:t>
+              <a:t>21-02-21(Sun)</a:t>
             </a:fld>
             <a:endParaRPr lang="ko-KR" altLang="en-US"/>
           </a:p>
@@ -8181,7 +8181,7 @@
           <a:p>
             <a:fld id="{D7EEE6D7-F07E-4CE2-AFD1-E0ADDB02E34F}" type="datetime1">
               <a:rPr lang="ko-KR" altLang="en-US" smtClean="0"/>
-              <a:t>21-02-20(Sat)</a:t>
+              <a:t>21-02-21(Sun)</a:t>
             </a:fld>
             <a:endParaRPr lang="ko-KR" altLang="en-US"/>
           </a:p>
@@ -8492,7 +8492,7 @@
           <a:p>
             <a:fld id="{022DB226-797E-4714-A363-EB143067361E}" type="datetime1">
               <a:rPr lang="ko-KR" altLang="en-US" smtClean="0"/>
-              <a:t>21-02-20(Sat)</a:t>
+              <a:t>21-02-21(Sun)</a:t>
             </a:fld>
             <a:endParaRPr lang="ko-KR" altLang="en-US"/>
           </a:p>
@@ -8780,7 +8780,7 @@
           <a:p>
             <a:fld id="{2946DBEB-5FFE-47E0-9C69-4E429AFA7594}" type="datetime1">
               <a:rPr lang="ko-KR" altLang="en-US" smtClean="0"/>
-              <a:t>21-02-20(Sat)</a:t>
+              <a:t>21-02-21(Sun)</a:t>
             </a:fld>
             <a:endParaRPr lang="ko-KR" altLang="en-US"/>
           </a:p>
@@ -9027,7 +9027,7 @@
             <a:fld id="{932790BA-7C09-43EA-8E7D-6E5A6153DBF0}" type="datetime1">
               <a:rPr lang="ko-KR" altLang="en-US" smtClean="0"/>
               <a:pPr/>
-              <a:t>21-02-20(Sat)</a:t>
+              <a:t>21-02-21(Sun)</a:t>
             </a:fld>
             <a:endParaRPr lang="ko-KR" altLang="en-US"/>
           </a:p>
